--- a/data-pipelines-with-synapse/source_code/KS-Developing-Data-Pipelines-With-Synapse.pptx
+++ b/data-pipelines-with-synapse/source_code/KS-Developing-Data-Pipelines-With-Synapse.pptx
@@ -5,10 +5,10 @@
     <p:sldMasterId id="2147483648" r:id="rId4"/>
   </p:sldMasterIdLst>
   <p:notesMasterIdLst>
-    <p:notesMasterId r:id="rId17"/>
+    <p:notesMasterId r:id="rId18"/>
   </p:notesMasterIdLst>
   <p:handoutMasterIdLst>
-    <p:handoutMasterId r:id="rId18"/>
+    <p:handoutMasterId r:id="rId19"/>
   </p:handoutMasterIdLst>
   <p:sldIdLst>
     <p:sldId id="1420" r:id="rId5"/>
@@ -20,14 +20,15 @@
     <p:sldId id="3437" r:id="rId11"/>
     <p:sldId id="3438" r:id="rId12"/>
     <p:sldId id="3439" r:id="rId13"/>
-    <p:sldId id="3441" r:id="rId14"/>
-    <p:sldId id="3432" r:id="rId15"/>
-    <p:sldId id="3442" r:id="rId16"/>
+    <p:sldId id="3443" r:id="rId14"/>
+    <p:sldId id="3441" r:id="rId15"/>
+    <p:sldId id="3432" r:id="rId16"/>
+    <p:sldId id="3442" r:id="rId17"/>
   </p:sldIdLst>
   <p:sldSz cx="12192000" cy="6858000"/>
   <p:notesSz cx="6858000" cy="9144000"/>
   <p:custDataLst>
-    <p:tags r:id="rId19"/>
+    <p:tags r:id="rId20"/>
   </p:custDataLst>
   <p:defaultTextStyle>
     <a:defPPr>
@@ -138,6 +139,7 @@
             <p14:sldId id="3437"/>
             <p14:sldId id="3438"/>
             <p14:sldId id="3439"/>
+            <p14:sldId id="3443"/>
             <p14:sldId id="3441"/>
             <p14:sldId id="3432"/>
             <p14:sldId id="3442"/>
@@ -7882,7 +7884,7 @@
           <a:p>
             <a:r>
               <a:rPr lang="en-GB" dirty="0"/>
-              <a:t>Pipeline Overview</a:t>
+              <a:t>Developer Productivity Pipeline</a:t>
             </a:r>
           </a:p>
         </p:txBody>
@@ -7975,6 +7977,245 @@
     </p:spTree>
     <p:extLst>
       <p:ext uri="{BB962C8B-B14F-4D97-AF65-F5344CB8AC3E}">
+        <p14:creationId xmlns:p14="http://schemas.microsoft.com/office/powerpoint/2010/main" val="1463012840"/>
+      </p:ext>
+    </p:extLst>
+  </p:cSld>
+  <p:clrMapOvr>
+    <a:masterClrMapping/>
+  </p:clrMapOvr>
+</p:sld>
+</file>
+
+<file path=ppt/slides/slide11.xml><?xml version="1.0" encoding="utf-8"?>
+<p:sld xmlns:a="http://schemas.openxmlformats.org/drawingml/2006/main" xmlns:r="http://schemas.openxmlformats.org/officeDocument/2006/relationships" xmlns:p="http://schemas.openxmlformats.org/presentationml/2006/main">
+  <p:cSld>
+    <p:spTree>
+      <p:nvGrpSpPr>
+        <p:cNvPr id="1" name=""/>
+        <p:cNvGrpSpPr/>
+        <p:nvPr/>
+      </p:nvGrpSpPr>
+      <p:grpSpPr>
+        <a:xfrm>
+          <a:off x="0" y="0"/>
+          <a:ext cx="0" cy="0"/>
+          <a:chOff x="0" y="0"/>
+          <a:chExt cx="0" cy="0"/>
+        </a:xfrm>
+      </p:grpSpPr>
+      <p:graphicFrame>
+        <p:nvGraphicFramePr>
+          <p:cNvPr id="41" name="Object 40" hidden="1">
+            <a:extLst>
+              <a:ext uri="{FF2B5EF4-FFF2-40B4-BE49-F238E27FC236}">
+                <a16:creationId xmlns:a16="http://schemas.microsoft.com/office/drawing/2014/main" id="{6C606883-20EE-7B42-BB51-92C3FF3F97AC}"/>
+              </a:ext>
+            </a:extLst>
+          </p:cNvPr>
+          <p:cNvGraphicFramePr>
+            <a:graphicFrameLocks noChangeAspect="1"/>
+          </p:cNvGraphicFramePr>
+          <p:nvPr>
+            <p:custDataLst>
+              <p:tags r:id="rId1"/>
+            </p:custDataLst>
+          </p:nvPr>
+        </p:nvGraphicFramePr>
+        <p:xfrm>
+          <a:off x="1588" y="1588"/>
+          <a:ext cx="1587" cy="1587"/>
+        </p:xfrm>
+        <a:graphic>
+          <a:graphicData uri="http://schemas.openxmlformats.org/presentationml/2006/ole">
+            <mc:AlternateContent xmlns:mc="http://schemas.openxmlformats.org/markup-compatibility/2006">
+              <mc:Choice xmlns:v="urn:schemas-microsoft-com:vml" Requires="v">
+                <p:oleObj name="think-cell Folie" r:id="rId3" imgW="7772400" imgH="10058400" progId="TCLayout.ActiveDocument.1">
+                  <p:embed/>
+                </p:oleObj>
+              </mc:Choice>
+              <mc:Fallback>
+                <p:oleObj name="think-cell Folie" r:id="rId3" imgW="7772400" imgH="10058400" progId="TCLayout.ActiveDocument.1">
+                  <p:embed/>
+                  <p:pic>
+                    <p:nvPicPr>
+                      <p:cNvPr id="41" name="Object 40" hidden="1">
+                        <a:extLst>
+                          <a:ext uri="{FF2B5EF4-FFF2-40B4-BE49-F238E27FC236}">
+                            <a16:creationId xmlns:a16="http://schemas.microsoft.com/office/drawing/2014/main" id="{6C606883-20EE-7B42-BB51-92C3FF3F97AC}"/>
+                          </a:ext>
+                        </a:extLst>
+                      </p:cNvPr>
+                      <p:cNvPicPr/>
+                      <p:nvPr/>
+                    </p:nvPicPr>
+                    <p:blipFill>
+                      <a:blip r:embed="rId4"/>
+                      <a:stretch>
+                        <a:fillRect/>
+                      </a:stretch>
+                    </p:blipFill>
+                    <p:spPr>
+                      <a:xfrm>
+                        <a:off x="1588" y="1588"/>
+                        <a:ext cx="1587" cy="1587"/>
+                      </a:xfrm>
+                      <a:prstGeom prst="rect">
+                        <a:avLst/>
+                      </a:prstGeom>
+                    </p:spPr>
+                  </p:pic>
+                </p:oleObj>
+              </mc:Fallback>
+            </mc:AlternateContent>
+          </a:graphicData>
+        </a:graphic>
+      </p:graphicFrame>
+      <p:sp>
+        <p:nvSpPr>
+          <p:cNvPr id="2" name="Slide Number Placeholder 1">
+            <a:extLst>
+              <a:ext uri="{FF2B5EF4-FFF2-40B4-BE49-F238E27FC236}">
+                <a16:creationId xmlns:a16="http://schemas.microsoft.com/office/drawing/2014/main" id="{43A9E659-5843-544E-A799-FB3DF95B75BF}"/>
+              </a:ext>
+            </a:extLst>
+          </p:cNvPr>
+          <p:cNvSpPr>
+            <a:spLocks noGrp="1"/>
+          </p:cNvSpPr>
+          <p:nvPr>
+            <p:ph type="sldNum" sz="quarter" idx="4"/>
+          </p:nvPr>
+        </p:nvSpPr>
+        <p:spPr/>
+        <p:txBody>
+          <a:bodyPr/>
+          <a:lstStyle/>
+          <a:p>
+            <a:fld id="{3D966009-6E5A-4F8C-8CA7-E37AFBF5FB92}" type="slidenum">
+              <a:rPr lang="en-US" smtClean="0"/>
+              <a:t>11</a:t>
+            </a:fld>
+            <a:endParaRPr lang="en-US"/>
+          </a:p>
+        </p:txBody>
+      </p:sp>
+      <p:sp>
+        <p:nvSpPr>
+          <p:cNvPr id="3" name="Title 2">
+            <a:extLst>
+              <a:ext uri="{FF2B5EF4-FFF2-40B4-BE49-F238E27FC236}">
+                <a16:creationId xmlns:a16="http://schemas.microsoft.com/office/drawing/2014/main" id="{03E644E7-B5FB-584F-8E38-C21A4369893E}"/>
+              </a:ext>
+            </a:extLst>
+          </p:cNvPr>
+          <p:cNvSpPr>
+            <a:spLocks noGrp="1"/>
+          </p:cNvSpPr>
+          <p:nvPr>
+            <p:ph type="title"/>
+          </p:nvPr>
+        </p:nvSpPr>
+        <p:spPr/>
+        <p:txBody>
+          <a:bodyPr/>
+          <a:lstStyle/>
+          <a:p>
+            <a:r>
+              <a:rPr lang="en-GB" dirty="0"/>
+              <a:t>Load CSV Pipeline</a:t>
+            </a:r>
+          </a:p>
+        </p:txBody>
+      </p:sp>
+      <p:sp>
+        <p:nvSpPr>
+          <p:cNvPr id="6" name="Text Placeholder 5">
+            <a:extLst>
+              <a:ext uri="{FF2B5EF4-FFF2-40B4-BE49-F238E27FC236}">
+                <a16:creationId xmlns:a16="http://schemas.microsoft.com/office/drawing/2014/main" id="{B8BD998B-EF92-BF49-847B-5577944B5766}"/>
+              </a:ext>
+            </a:extLst>
+          </p:cNvPr>
+          <p:cNvSpPr>
+            <a:spLocks noGrp="1"/>
+          </p:cNvSpPr>
+          <p:nvPr>
+            <p:ph type="body" sz="quarter" idx="12"/>
+          </p:nvPr>
+        </p:nvSpPr>
+        <p:spPr/>
+        <p:txBody>
+          <a:bodyPr/>
+          <a:lstStyle/>
+          <a:p>
+            <a:endParaRPr lang="en-GB"/>
+          </a:p>
+        </p:txBody>
+      </p:sp>
+      <p:pic>
+        <p:nvPicPr>
+          <p:cNvPr id="44" name="Content Placeholder 43" descr="Load CSV pipeline">
+            <a:extLst>
+              <a:ext uri="{FF2B5EF4-FFF2-40B4-BE49-F238E27FC236}">
+                <a16:creationId xmlns:a16="http://schemas.microsoft.com/office/drawing/2014/main" id="{589B6FED-AC74-09EB-29F2-A8AB9386E2FF}"/>
+              </a:ext>
+            </a:extLst>
+          </p:cNvPr>
+          <p:cNvPicPr>
+            <a:picLocks noGrp="1" noChangeAspect="1"/>
+          </p:cNvPicPr>
+          <p:nvPr>
+            <p:ph sz="quarter" idx="14"/>
+          </p:nvPr>
+        </p:nvPicPr>
+        <p:blipFill>
+          <a:blip r:embed="rId5">
+            <a:extLst>
+              <a:ext uri="{28A0092B-C50C-407E-A947-70E740481C1C}">
+                <a14:useLocalDpi xmlns:a14="http://schemas.microsoft.com/office/drawing/2010/main" val="0"/>
+              </a:ext>
+            </a:extLst>
+          </a:blip>
+          <a:stretch>
+            <a:fillRect/>
+          </a:stretch>
+        </p:blipFill>
+        <p:spPr>
+          <a:xfrm>
+            <a:off x="589521" y="2280221"/>
+            <a:ext cx="11012958" cy="2310312"/>
+          </a:xfrm>
+        </p:spPr>
+      </p:pic>
+      <p:sp>
+        <p:nvSpPr>
+          <p:cNvPr id="45" name="Content Placeholder 44">
+            <a:extLst>
+              <a:ext uri="{FF2B5EF4-FFF2-40B4-BE49-F238E27FC236}">
+                <a16:creationId xmlns:a16="http://schemas.microsoft.com/office/drawing/2014/main" id="{CC91B1E9-1F3D-2C30-E97B-0F4F1D36BF7D}"/>
+              </a:ext>
+            </a:extLst>
+          </p:cNvPr>
+          <p:cNvSpPr>
+            <a:spLocks noGrp="1"/>
+          </p:cNvSpPr>
+          <p:nvPr>
+            <p:ph sz="quarter" idx="10"/>
+          </p:nvPr>
+        </p:nvSpPr>
+        <p:spPr/>
+        <p:txBody>
+          <a:bodyPr/>
+          <a:lstStyle/>
+          <a:p>
+            <a:endParaRPr lang="en-DE"/>
+          </a:p>
+        </p:txBody>
+      </p:sp>
+    </p:spTree>
+    <p:extLst>
+      <p:ext uri="{BB962C8B-B14F-4D97-AF65-F5344CB8AC3E}">
         <p14:creationId xmlns:p14="http://schemas.microsoft.com/office/powerpoint/2010/main" val="2858384497"/>
       </p:ext>
     </p:extLst>
@@ -7985,7 +8226,7 @@
 </p:sld>
 </file>
 
-<file path=ppt/slides/slide11.xml><?xml version="1.0" encoding="utf-8"?>
+<file path=ppt/slides/slide12.xml><?xml version="1.0" encoding="utf-8"?>
 <p:sld xmlns:a="http://schemas.openxmlformats.org/drawingml/2006/main" xmlns:r="http://schemas.openxmlformats.org/officeDocument/2006/relationships" xmlns:p="http://schemas.openxmlformats.org/presentationml/2006/main">
   <p:cSld>
     <p:spTree>
@@ -8025,7 +8266,7 @@
           <a:p>
             <a:fld id="{3D966009-6E5A-4F8C-8CA7-E37AFBF5FB92}" type="slidenum">
               <a:rPr lang="en-US" smtClean="0"/>
-              <a:t>11</a:t>
+              <a:t>12</a:t>
             </a:fld>
             <a:endParaRPr lang="en-US"/>
           </a:p>
@@ -9861,7 +10102,7 @@
 </p:sld>
 </file>
 
-<file path=ppt/slides/slide12.xml><?xml version="1.0" encoding="utf-8"?>
+<file path=ppt/slides/slide13.xml><?xml version="1.0" encoding="utf-8"?>
 <p:sld xmlns:a="http://schemas.openxmlformats.org/drawingml/2006/main" xmlns:r="http://schemas.openxmlformats.org/officeDocument/2006/relationships" xmlns:p="http://schemas.openxmlformats.org/presentationml/2006/main">
   <p:cSld>
     <p:spTree>
@@ -10269,7 +10510,7 @@
             </a:pPr>
             <a:r>
               <a:rPr lang="en-GB" dirty="0"/>
-              <a:t>Big Data Integration with Synapse</a:t>
+              <a:t>Big Data Integration with Azure Synapse</a:t>
             </a:r>
           </a:p>
           <a:p>
@@ -10295,7 +10536,7 @@
             </a:pPr>
             <a:r>
               <a:rPr lang="en-GB" dirty="0"/>
-              <a:t>Pipeline Demo Components</a:t>
+              <a:t>Pipeline Components</a:t>
             </a:r>
           </a:p>
           <a:p>
@@ -10437,7 +10678,7 @@
         <p:spPr>
           <a:xfrm>
             <a:off x="11195403" y="2488728"/>
-            <a:ext cx="630914" cy="2410916"/>
+            <a:ext cx="630914" cy="1877437"/>
           </a:xfrm>
           <a:prstGeom prst="rect">
             <a:avLst/>
@@ -10459,7 +10700,7 @@
               </a:spcAft>
             </a:pPr>
             <a:r>
-              <a:rPr lang="en-GB"/>
+              <a:rPr lang="en-GB" dirty="0"/>
               <a:t>3</a:t>
             </a:r>
           </a:p>
@@ -10470,7 +10711,7 @@
               </a:spcAft>
             </a:pPr>
             <a:r>
-              <a:rPr lang="en-GB"/>
+              <a:rPr lang="en-GB" dirty="0"/>
               <a:t>4</a:t>
             </a:r>
           </a:p>
@@ -10481,8 +10722,8 @@
               </a:spcAft>
             </a:pPr>
             <a:r>
-              <a:rPr lang="en-GB"/>
-              <a:t>42</a:t>
+              <a:rPr lang="en-GB" dirty="0"/>
+              <a:t>5</a:t>
             </a:r>
           </a:p>
           <a:p>
@@ -10492,19 +10733,8 @@
               </a:spcAft>
             </a:pPr>
             <a:r>
-              <a:rPr lang="en-GB"/>
-              <a:t>62</a:t>
-            </a:r>
-          </a:p>
-          <a:p>
-            <a:pPr algn="r">
-              <a:spcAft>
-                <a:spcPts val="2000"/>
-              </a:spcAft>
-            </a:pPr>
-            <a:r>
-              <a:rPr lang="en-GB"/>
-              <a:t>92</a:t>
+              <a:rPr lang="en-GB" dirty="0"/>
+              <a:t>8</a:t>
             </a:r>
           </a:p>
         </p:txBody>
@@ -23141,7 +23371,7 @@
         <p:spPr>
           <a:xfrm>
             <a:off x="304799" y="2274838"/>
-            <a:ext cx="4548249" cy="2308324"/>
+            <a:ext cx="4548249" cy="2585323"/>
           </a:xfrm>
           <a:prstGeom prst="rect">
             <a:avLst/>
@@ -23160,23 +23390,7 @@
                   <a:srgbClr val="161616"/>
                 </a:solidFill>
               </a:rPr>
-              <a:t>External data from Git and Jira in </a:t>
-            </a:r>
-            <a:r>
-              <a:rPr lang="en-GB" dirty="0" err="1">
-                <a:solidFill>
-                  <a:srgbClr val="161616"/>
-                </a:solidFill>
-              </a:rPr>
-              <a:t>intergrated</a:t>
-            </a:r>
-            <a:r>
-              <a:rPr lang="en-GB" dirty="0">
-                <a:solidFill>
-                  <a:srgbClr val="161616"/>
-                </a:solidFill>
-              </a:rPr>
-              <a:t> into our Datawarehouse.</a:t>
+              <a:t>External data from Git and Jira is integrated into our Datawarehouse in Synapse.</a:t>
             </a:r>
           </a:p>
           <a:p>
@@ -23925,6 +24139,12 @@
 </file>
 
 <file path=ppt/tags/tag31.xml><?xml version="1.0" encoding="utf-8"?>
+<p:tagLst xmlns:a="http://schemas.openxmlformats.org/drawingml/2006/main" xmlns:r="http://schemas.openxmlformats.org/officeDocument/2006/relationships" xmlns:p="http://schemas.openxmlformats.org/presentationml/2006/main">
+  <p:tag name="THINKCELLSHAPEDONOTDELETE" val="thinkcellActiveDocDoNotDelete"/>
+</p:tagLst>
+</file>
+
+<file path=ppt/tags/tag32.xml><?xml version="1.0" encoding="utf-8"?>
 <p:tagLst xmlns:a="http://schemas.openxmlformats.org/drawingml/2006/main" xmlns:r="http://schemas.openxmlformats.org/officeDocument/2006/relationships" xmlns:p="http://schemas.openxmlformats.org/presentationml/2006/main">
   <p:tag name="THINKCELLSHAPEDONOTDELETE" val="thinkcellActiveDocDoNotDelete"/>
 </p:tagLst>

--- a/data-pipelines-with-synapse/source_code/KS-Developing-Data-Pipelines-With-Synapse.pptx
+++ b/data-pipelines-with-synapse/source_code/KS-Developing-Data-Pipelines-With-Synapse.pptx
@@ -7884,7 +7884,7 @@
           <a:p>
             <a:r>
               <a:rPr lang="en-GB" dirty="0"/>
-              <a:t>Developer Productivity Pipeline</a:t>
+              <a:t>Developer Productivity Pipeline for Jira Git Table</a:t>
             </a:r>
           </a:p>
         </p:txBody>
@@ -7971,6 +7971,288 @@
           <a:lstStyle/>
           <a:p>
             <a:endParaRPr lang="en-GB"/>
+          </a:p>
+        </p:txBody>
+      </p:sp>
+      <p:sp>
+        <p:nvSpPr>
+          <p:cNvPr id="5" name="TextBox 4">
+            <a:extLst>
+              <a:ext uri="{FF2B5EF4-FFF2-40B4-BE49-F238E27FC236}">
+                <a16:creationId xmlns:a16="http://schemas.microsoft.com/office/drawing/2014/main" id="{D2CE2A4F-63C3-2047-F649-9069F47420F3}"/>
+              </a:ext>
+            </a:extLst>
+          </p:cNvPr>
+          <p:cNvSpPr txBox="1"/>
+          <p:nvPr/>
+        </p:nvSpPr>
+        <p:spPr>
+          <a:xfrm>
+            <a:off x="423056" y="1318980"/>
+            <a:ext cx="10834751" cy="923330"/>
+          </a:xfrm>
+          <a:prstGeom prst="rect">
+            <a:avLst/>
+          </a:prstGeom>
+          <a:noFill/>
+        </p:spPr>
+        <p:txBody>
+          <a:bodyPr wrap="square">
+            <a:spAutoFit/>
+          </a:bodyPr>
+          <a:lstStyle/>
+          <a:p>
+            <a:pPr marL="342900" indent="-342900" algn="l">
+              <a:buFont typeface="+mj-lt"/>
+              <a:buAutoNum type="arabicPeriod"/>
+            </a:pPr>
+            <a:r>
+              <a:rPr lang="en-GB" b="1" dirty="0">
+                <a:solidFill>
+                  <a:srgbClr val="161616"/>
+                </a:solidFill>
+              </a:rPr>
+              <a:t>Notebook:</a:t>
+            </a:r>
+            <a:r>
+              <a:rPr lang="en-GB" dirty="0">
+                <a:solidFill>
+                  <a:srgbClr val="161616"/>
+                </a:solidFill>
+              </a:rPr>
+              <a:t> process the </a:t>
+            </a:r>
+            <a:r>
+              <a:rPr lang="en-GB" b="1" dirty="0" err="1">
+                <a:solidFill>
+                  <a:srgbClr val="0070C0"/>
+                </a:solidFill>
+              </a:rPr>
+              <a:t>jira_git_fact.</a:t>
+            </a:r>
+            <a:r>
+              <a:rPr lang="en-GB" b="1" dirty="0" err="1">
+                <a:solidFill>
+                  <a:srgbClr val="FF0000"/>
+                </a:solidFill>
+              </a:rPr>
+              <a:t>csv</a:t>
+            </a:r>
+            <a:r>
+              <a:rPr lang="en-GB" b="1" dirty="0">
+                <a:solidFill>
+                  <a:srgbClr val="0070C0"/>
+                </a:solidFill>
+              </a:rPr>
+              <a:t> </a:t>
+            </a:r>
+            <a:r>
+              <a:rPr lang="en-GB" dirty="0">
+                <a:solidFill>
+                  <a:srgbClr val="161616"/>
+                </a:solidFill>
+              </a:rPr>
+              <a:t>into </a:t>
+            </a:r>
+            <a:r>
+              <a:rPr lang="en-GB" b="1" dirty="0" err="1">
+                <a:solidFill>
+                  <a:srgbClr val="0070C0"/>
+                </a:solidFill>
+              </a:rPr>
+              <a:t>jira_git_fact.</a:t>
+            </a:r>
+            <a:r>
+              <a:rPr lang="en-GB" b="1" dirty="0" err="1">
+                <a:solidFill>
+                  <a:srgbClr val="FF0000"/>
+                </a:solidFill>
+              </a:rPr>
+              <a:t>parquet</a:t>
+            </a:r>
+            <a:endParaRPr lang="en-GB" b="1" dirty="0">
+              <a:solidFill>
+                <a:srgbClr val="FF0000"/>
+              </a:solidFill>
+            </a:endParaRPr>
+          </a:p>
+          <a:p>
+            <a:pPr marL="342900" indent="-342900" algn="l">
+              <a:buFont typeface="+mj-lt"/>
+              <a:buAutoNum type="arabicPeriod"/>
+            </a:pPr>
+            <a:r>
+              <a:rPr lang="en-GB" b="1" dirty="0" err="1">
+                <a:solidFill>
+                  <a:srgbClr val="161616"/>
+                </a:solidFill>
+              </a:rPr>
+              <a:t>CopyData</a:t>
+            </a:r>
+            <a:r>
+              <a:rPr lang="en-GB" b="1" dirty="0">
+                <a:solidFill>
+                  <a:srgbClr val="161616"/>
+                </a:solidFill>
+              </a:rPr>
+              <a:t>: </a:t>
+            </a:r>
+            <a:r>
+              <a:rPr lang="en-GB" dirty="0">
+                <a:solidFill>
+                  <a:srgbClr val="161616"/>
+                </a:solidFill>
+              </a:rPr>
+              <a:t>copy from </a:t>
+            </a:r>
+            <a:r>
+              <a:rPr lang="en-GB" b="1" dirty="0" err="1">
+                <a:solidFill>
+                  <a:srgbClr val="0070C0"/>
+                </a:solidFill>
+              </a:rPr>
+              <a:t>jira_git_fact.</a:t>
+            </a:r>
+            <a:r>
+              <a:rPr lang="en-GB" b="1" dirty="0" err="1">
+                <a:solidFill>
+                  <a:srgbClr val="FF0000"/>
+                </a:solidFill>
+              </a:rPr>
+              <a:t>parquet</a:t>
+            </a:r>
+            <a:r>
+              <a:rPr lang="en-GB" b="1" dirty="0">
+                <a:solidFill>
+                  <a:srgbClr val="FF0000"/>
+                </a:solidFill>
+              </a:rPr>
+              <a:t> </a:t>
+            </a:r>
+            <a:r>
+              <a:rPr lang="en-GB" dirty="0">
+                <a:solidFill>
+                  <a:srgbClr val="161616"/>
+                </a:solidFill>
+              </a:rPr>
+              <a:t>into staging table </a:t>
+            </a:r>
+            <a:r>
+              <a:rPr lang="en-GB" b="1" dirty="0">
+                <a:solidFill>
+                  <a:srgbClr val="161616"/>
+                </a:solidFill>
+              </a:rPr>
+              <a:t>– </a:t>
+            </a:r>
+            <a:r>
+              <a:rPr lang="en-GB" b="1" dirty="0" err="1">
+                <a:solidFill>
+                  <a:srgbClr val="FF0000"/>
+                </a:solidFill>
+              </a:rPr>
+              <a:t>dwh_staging</a:t>
+            </a:r>
+            <a:r>
+              <a:rPr lang="en-GB" b="1" dirty="0" err="1">
+                <a:solidFill>
+                  <a:srgbClr val="161616"/>
+                </a:solidFill>
+              </a:rPr>
+              <a:t>.</a:t>
+            </a:r>
+            <a:r>
+              <a:rPr lang="en-GB" b="1" dirty="0" err="1">
+                <a:solidFill>
+                  <a:srgbClr val="0070C0"/>
+                </a:solidFill>
+              </a:rPr>
+              <a:t>jira_git_fact</a:t>
+            </a:r>
+            <a:endParaRPr lang="en-GB" b="1" dirty="0">
+              <a:solidFill>
+                <a:srgbClr val="161616"/>
+              </a:solidFill>
+            </a:endParaRPr>
+          </a:p>
+          <a:p>
+            <a:pPr marL="342900" indent="-342900" algn="l">
+              <a:buFont typeface="+mj-lt"/>
+              <a:buAutoNum type="arabicPeriod"/>
+            </a:pPr>
+            <a:r>
+              <a:rPr lang="en-GB" b="1" dirty="0">
+                <a:solidFill>
+                  <a:srgbClr val="161616"/>
+                </a:solidFill>
+              </a:rPr>
+              <a:t>Stored Procedure: </a:t>
+            </a:r>
+            <a:r>
+              <a:rPr lang="en-GB" dirty="0">
+                <a:solidFill>
+                  <a:srgbClr val="161616"/>
+                </a:solidFill>
+              </a:rPr>
+              <a:t>copy from </a:t>
+            </a:r>
+            <a:r>
+              <a:rPr lang="en-GB" b="1" dirty="0" err="1">
+                <a:solidFill>
+                  <a:srgbClr val="FF0000"/>
+                </a:solidFill>
+              </a:rPr>
+              <a:t>dwh_staging</a:t>
+            </a:r>
+            <a:r>
+              <a:rPr lang="en-GB" b="1" dirty="0" err="1">
+                <a:solidFill>
+                  <a:srgbClr val="161616"/>
+                </a:solidFill>
+              </a:rPr>
+              <a:t>.</a:t>
+            </a:r>
+            <a:r>
+              <a:rPr lang="en-GB" b="1" dirty="0" err="1">
+                <a:solidFill>
+                  <a:srgbClr val="0070C0"/>
+                </a:solidFill>
+              </a:rPr>
+              <a:t>jira_git_fact</a:t>
+            </a:r>
+            <a:r>
+              <a:rPr lang="en-GB" b="1" dirty="0">
+                <a:solidFill>
+                  <a:srgbClr val="0070C0"/>
+                </a:solidFill>
+              </a:rPr>
+              <a:t> </a:t>
+            </a:r>
+            <a:r>
+              <a:rPr lang="en-GB" dirty="0"/>
+              <a:t>into core table - </a:t>
+            </a:r>
+            <a:r>
+              <a:rPr lang="en-GB" b="1" dirty="0" err="1">
+                <a:solidFill>
+                  <a:srgbClr val="FF0000"/>
+                </a:solidFill>
+              </a:rPr>
+              <a:t>dwh_core</a:t>
+            </a:r>
+            <a:r>
+              <a:rPr lang="en-GB" b="1" dirty="0" err="1">
+                <a:solidFill>
+                  <a:srgbClr val="0070C0"/>
+                </a:solidFill>
+              </a:rPr>
+              <a:t>.jira_git_fact</a:t>
+            </a:r>
+            <a:endParaRPr lang="en-GB" b="1" dirty="0">
+              <a:solidFill>
+                <a:srgbClr val="161616"/>
+              </a:solidFill>
+            </a:endParaRPr>
           </a:p>
         </p:txBody>
       </p:sp>
@@ -8123,7 +8405,7 @@
           <a:p>
             <a:r>
               <a:rPr lang="en-GB" dirty="0"/>
-              <a:t>Load CSV Pipeline</a:t>
+              <a:t>Load CSV Pipeline for Developer and Project Tables</a:t>
             </a:r>
           </a:p>
         </p:txBody>
@@ -8210,6 +8492,232 @@
           <a:lstStyle/>
           <a:p>
             <a:endParaRPr lang="en-DE"/>
+          </a:p>
+        </p:txBody>
+      </p:sp>
+      <p:sp>
+        <p:nvSpPr>
+          <p:cNvPr id="46" name="TextBox 45">
+            <a:extLst>
+              <a:ext uri="{FF2B5EF4-FFF2-40B4-BE49-F238E27FC236}">
+                <a16:creationId xmlns:a16="http://schemas.microsoft.com/office/drawing/2014/main" id="{EBBDD1F3-988D-547A-AAB9-504042D9860F}"/>
+              </a:ext>
+            </a:extLst>
+          </p:cNvPr>
+          <p:cNvSpPr txBox="1"/>
+          <p:nvPr/>
+        </p:nvSpPr>
+        <p:spPr>
+          <a:xfrm>
+            <a:off x="273133" y="1508584"/>
+            <a:ext cx="12611595" cy="1200329"/>
+          </a:xfrm>
+          <a:prstGeom prst="rect">
+            <a:avLst/>
+          </a:prstGeom>
+          <a:noFill/>
+        </p:spPr>
+        <p:txBody>
+          <a:bodyPr wrap="square">
+            <a:spAutoFit/>
+          </a:bodyPr>
+          <a:lstStyle/>
+          <a:p>
+            <a:pPr marL="342900" indent="-342900" algn="l">
+              <a:buFont typeface="+mj-lt"/>
+              <a:buAutoNum type="arabicPeriod"/>
+            </a:pPr>
+            <a:r>
+              <a:rPr lang="en-GB" b="1" dirty="0" err="1">
+                <a:solidFill>
+                  <a:srgbClr val="161616"/>
+                </a:solidFill>
+              </a:rPr>
+              <a:t>CopyData</a:t>
+            </a:r>
+            <a:r>
+              <a:rPr lang="en-GB" b="1" dirty="0">
+                <a:solidFill>
+                  <a:srgbClr val="161616"/>
+                </a:solidFill>
+              </a:rPr>
+              <a:t>: </a:t>
+            </a:r>
+            <a:r>
+              <a:rPr lang="en-GB" dirty="0">
+                <a:solidFill>
+                  <a:srgbClr val="161616"/>
+                </a:solidFill>
+              </a:rPr>
+              <a:t>copy from </a:t>
+            </a:r>
+            <a:r>
+              <a:rPr lang="en-GB" b="1" dirty="0" err="1">
+                <a:solidFill>
+                  <a:srgbClr val="0070C0"/>
+                </a:solidFill>
+              </a:rPr>
+              <a:t>developer_dimenson.</a:t>
+            </a:r>
+            <a:r>
+              <a:rPr lang="en-GB" b="1" dirty="0" err="1">
+                <a:solidFill>
+                  <a:srgbClr val="FF0000"/>
+                </a:solidFill>
+              </a:rPr>
+              <a:t>csv</a:t>
+            </a:r>
+            <a:r>
+              <a:rPr lang="en-GB" b="1" dirty="0">
+                <a:solidFill>
+                  <a:srgbClr val="FF0000"/>
+                </a:solidFill>
+              </a:rPr>
+              <a:t> </a:t>
+            </a:r>
+            <a:r>
+              <a:rPr lang="en-GB" dirty="0">
+                <a:solidFill>
+                  <a:srgbClr val="161616"/>
+                </a:solidFill>
+              </a:rPr>
+              <a:t>into staging table </a:t>
+            </a:r>
+            <a:r>
+              <a:rPr lang="en-GB" b="1" dirty="0">
+                <a:solidFill>
+                  <a:srgbClr val="161616"/>
+                </a:solidFill>
+              </a:rPr>
+              <a:t>– </a:t>
+            </a:r>
+            <a:r>
+              <a:rPr lang="en-GB" b="1" dirty="0" err="1">
+                <a:solidFill>
+                  <a:srgbClr val="FF0000"/>
+                </a:solidFill>
+              </a:rPr>
+              <a:t>dwh_staging</a:t>
+            </a:r>
+            <a:r>
+              <a:rPr lang="en-GB" b="1" dirty="0" err="1">
+                <a:solidFill>
+                  <a:srgbClr val="161616"/>
+                </a:solidFill>
+              </a:rPr>
+              <a:t>.</a:t>
+            </a:r>
+            <a:r>
+              <a:rPr lang="en-GB" b="1" dirty="0" err="1">
+                <a:solidFill>
+                  <a:srgbClr val="0070C0"/>
+                </a:solidFill>
+              </a:rPr>
+              <a:t>developer_dimension</a:t>
+            </a:r>
+            <a:endParaRPr lang="en-GB" b="1" dirty="0">
+              <a:solidFill>
+                <a:srgbClr val="161616"/>
+              </a:solidFill>
+            </a:endParaRPr>
+          </a:p>
+          <a:p>
+            <a:pPr marL="342900" indent="-342900">
+              <a:buFont typeface="+mj-lt"/>
+              <a:buAutoNum type="arabicPeriod"/>
+            </a:pPr>
+            <a:r>
+              <a:rPr lang="en-GB" b="1" dirty="0">
+                <a:solidFill>
+                  <a:srgbClr val="161616"/>
+                </a:solidFill>
+              </a:rPr>
+              <a:t>Stored Procedure: </a:t>
+            </a:r>
+            <a:r>
+              <a:rPr lang="en-GB" dirty="0">
+                <a:solidFill>
+                  <a:srgbClr val="161616"/>
+                </a:solidFill>
+              </a:rPr>
+              <a:t>copy from </a:t>
+            </a:r>
+            <a:r>
+              <a:rPr lang="en-GB" b="1" dirty="0" err="1">
+                <a:solidFill>
+                  <a:srgbClr val="FF0000"/>
+                </a:solidFill>
+              </a:rPr>
+              <a:t>dwh_staging</a:t>
+            </a:r>
+            <a:r>
+              <a:rPr lang="en-GB" b="1" dirty="0" err="1">
+                <a:solidFill>
+                  <a:srgbClr val="161616"/>
+                </a:solidFill>
+              </a:rPr>
+              <a:t>.</a:t>
+            </a:r>
+            <a:r>
+              <a:rPr lang="en-GB" b="1" dirty="0" err="1">
+                <a:solidFill>
+                  <a:srgbClr val="0070C0"/>
+                </a:solidFill>
+              </a:rPr>
+              <a:t>developer_dimension</a:t>
+            </a:r>
+            <a:r>
+              <a:rPr lang="en-GB" b="1" dirty="0">
+                <a:solidFill>
+                  <a:srgbClr val="161616"/>
+                </a:solidFill>
+              </a:rPr>
+              <a:t> </a:t>
+            </a:r>
+            <a:r>
+              <a:rPr lang="en-GB" dirty="0"/>
+              <a:t>into core table - </a:t>
+            </a:r>
+            <a:r>
+              <a:rPr lang="en-GB" b="1" dirty="0" err="1">
+                <a:solidFill>
+                  <a:srgbClr val="FF0000"/>
+                </a:solidFill>
+              </a:rPr>
+              <a:t>dwh_core</a:t>
+            </a:r>
+            <a:r>
+              <a:rPr lang="en-GB" b="1" dirty="0" err="1">
+                <a:solidFill>
+                  <a:srgbClr val="161616"/>
+                </a:solidFill>
+              </a:rPr>
+              <a:t>.</a:t>
+            </a:r>
+            <a:r>
+              <a:rPr lang="en-GB" b="1" dirty="0" err="1">
+                <a:solidFill>
+                  <a:srgbClr val="0070C0"/>
+                </a:solidFill>
+              </a:rPr>
+              <a:t>developer_dimension</a:t>
+            </a:r>
+            <a:endParaRPr lang="en-GB" b="1" dirty="0">
+              <a:solidFill>
+                <a:srgbClr val="161616"/>
+              </a:solidFill>
+            </a:endParaRPr>
+          </a:p>
+          <a:p>
+            <a:pPr marL="342900" indent="-342900" algn="l">
+              <a:buFont typeface="+mj-lt"/>
+              <a:buAutoNum type="arabicPeriod"/>
+            </a:pPr>
+            <a:endParaRPr lang="en-GB" b="1" dirty="0">
+              <a:solidFill>
+                <a:srgbClr val="161616"/>
+              </a:solidFill>
+            </a:endParaRPr>
           </a:p>
         </p:txBody>
       </p:sp>
